--- a/Lectures/17b-EthicsOverview.pptx
+++ b/Lectures/17b-EthicsOverview.pptx
@@ -16,7 +16,7 @@
     <p:sldId id="302" r:id="rId7"/>
     <p:sldId id="523" r:id="rId8"/>
     <p:sldId id="531" r:id="rId9"/>
-    <p:sldId id="530" r:id="rId10"/>
+    <p:sldId id="844" r:id="rId10"/>
     <p:sldId id="542" r:id="rId11"/>
     <p:sldId id="843" r:id="rId12"/>
     <p:sldId id="532" r:id="rId13"/>
@@ -14437,10 +14437,10 @@
       </p:grpSpPr>
       <p:sp>
         <p:nvSpPr>
-          <p:cNvPr id="9" name="Title 1">
+          <p:cNvPr id="2" name="Title 1">
             <a:extLst>
               <a:ext uri="{FF2B5EF4-FFF2-40B4-BE49-F238E27FC236}">
-                <a16:creationId xmlns:a16="http://schemas.microsoft.com/office/drawing/2014/main" id="{8455ED0E-DE26-4629-86E5-4157A95D528E}"/>
+                <a16:creationId xmlns:a16="http://schemas.microsoft.com/office/drawing/2014/main" id="{3527522D-304F-B81A-B56D-2774EB60BFD3}"/>
               </a:ext>
             </a:extLst>
           </p:cNvPr>
@@ -14451,19 +14451,14 @@
             <p:ph type="title"/>
           </p:nvPr>
         </p:nvSpPr>
-        <p:spPr>
-          <a:xfrm>
-            <a:off x="415600" y="2867800"/>
-            <a:ext cx="11360700" cy="1122300"/>
-          </a:xfrm>
-        </p:spPr>
+        <p:spPr/>
         <p:txBody>
           <a:bodyPr/>
           <a:lstStyle/>
           <a:p>
             <a:r>
-              <a:rPr lang="en-US" sz="8800" dirty="0"/>
-              <a:t>Good research can only happen in academia</a:t>
+              <a:rPr lang="en-US" sz="6600" dirty="0"/>
+              <a:t>Policy impact can only happen through government</a:t>
             </a:r>
           </a:p>
         </p:txBody>
@@ -14471,7 +14466,7 @@
     </p:spTree>
     <p:extLst>
       <p:ext uri="{BB962C8B-B14F-4D97-AF65-F5344CB8AC3E}">
-        <p14:creationId xmlns:p14="http://schemas.microsoft.com/office/powerpoint/2010/main" val="2034157992"/>
+        <p14:creationId xmlns:p14="http://schemas.microsoft.com/office/powerpoint/2010/main" val="1223438382"/>
       </p:ext>
     </p:extLst>
   </p:cSld>

--- a/Lectures/17b-EthicsOverview.pptx
+++ b/Lectures/17b-EthicsOverview.pptx
@@ -266,7 +266,7 @@
       <p15:sldGuideLst xmlns:p15="http://schemas.microsoft.com/office/powerpoint/2012/main"/>
     </p:ext>
     <p:ext uri="http://customooxmlschemas.google.com/">
-      <go:slidesCustomData xmlns="" xmlns:mc="http://schemas.openxmlformats.org/markup-compatibility/2006" xmlns:mv="urn:schemas-microsoft-com:mac:vml" xmlns:c="http://schemas.openxmlformats.org/drawingml/2006/chart" xmlns:dgm="http://schemas.openxmlformats.org/drawingml/2006/diagram" xmlns:o="urn:schemas-microsoft-com:office:office" xmlns:v="urn:schemas-microsoft-com:vml" xmlns:pvml="urn:schemas-microsoft-com:office:powerpoint" xmlns:com="http://schemas.openxmlformats.org/drawingml/2006/compatibility" xmlns:p14="http://schemas.microsoft.com/office/powerpoint/2010/main" xmlns:p15="http://schemas.microsoft.com/office/powerpoint/2012/main" xmlns:go="http://customooxmlschemas.google.com/" r:id="rId65" roundtripDataSignature="AMtx7miaBNfqHTds3AtKFboosNv4pOAy4g=="/>
+      <go:slidesCustomData xmlns:go="http://customooxmlschemas.google.com/" xmlns:p15="http://schemas.microsoft.com/office/powerpoint/2012/main" xmlns:p14="http://schemas.microsoft.com/office/powerpoint/2010/main" xmlns:com="http://schemas.openxmlformats.org/drawingml/2006/compatibility" xmlns:pvml="urn:schemas-microsoft-com:office:powerpoint" xmlns:v="urn:schemas-microsoft-com:vml" xmlns:o="urn:schemas-microsoft-com:office:office" xmlns:dgm="http://schemas.openxmlformats.org/drawingml/2006/diagram" xmlns:c="http://schemas.openxmlformats.org/drawingml/2006/chart" xmlns:mv="urn:schemas-microsoft-com:mac:vml" xmlns:mc="http://schemas.openxmlformats.org/markup-compatibility/2006" xmlns="" r:id="rId65" roundtripDataSignature="AMtx7miaBNfqHTds3AtKFboosNv4pOAy4g=="/>
     </p:ext>
   </p:extLst>
 </p:presentation>
@@ -1552,7 +1552,7 @@
       <dsp:spPr>
         <a:xfrm>
           <a:off x="0" y="210549"/>
-          <a:ext cx="3520454" cy="2112273"/>
+          <a:ext cx="3520454" cy="2112272"/>
         </a:xfrm>
         <a:prstGeom prst="rect">
           <a:avLst/>
@@ -1625,7 +1625,7 @@
       </dsp:txBody>
       <dsp:txXfrm>
         <a:off x="0" y="210549"/>
-        <a:ext cx="3520454" cy="2112273"/>
+        <a:ext cx="3520454" cy="2112272"/>
       </dsp:txXfrm>
     </dsp:sp>
     <dsp:sp modelId="{5DF36080-AA5F-044B-9B2D-18470035B1FB}">
@@ -1636,7 +1636,7 @@
       <dsp:spPr>
         <a:xfrm>
           <a:off x="3872500" y="210549"/>
-          <a:ext cx="3520454" cy="2112273"/>
+          <a:ext cx="3520454" cy="2112272"/>
         </a:xfrm>
         <a:prstGeom prst="rect">
           <a:avLst/>
@@ -1709,7 +1709,7 @@
       </dsp:txBody>
       <dsp:txXfrm>
         <a:off x="3872500" y="210549"/>
-        <a:ext cx="3520454" cy="2112273"/>
+        <a:ext cx="3520454" cy="2112272"/>
       </dsp:txXfrm>
     </dsp:sp>
     <dsp:sp modelId="{73313321-B089-6142-89C3-6254719B2389}">
@@ -1720,7 +1720,7 @@
       <dsp:spPr>
         <a:xfrm>
           <a:off x="7745001" y="210549"/>
-          <a:ext cx="3520454" cy="2112273"/>
+          <a:ext cx="3520454" cy="2112272"/>
         </a:xfrm>
         <a:prstGeom prst="rect">
           <a:avLst/>
@@ -1793,7 +1793,7 @@
       </dsp:txBody>
       <dsp:txXfrm>
         <a:off x="7745001" y="210549"/>
-        <a:ext cx="3520454" cy="2112273"/>
+        <a:ext cx="3520454" cy="2112272"/>
       </dsp:txXfrm>
     </dsp:sp>
     <dsp:sp modelId="{EF08E376-4E26-284A-B04A-2272E2B37BE4}">
@@ -1804,7 +1804,7 @@
       <dsp:spPr>
         <a:xfrm>
           <a:off x="1936250" y="2674867"/>
-          <a:ext cx="3520454" cy="2112273"/>
+          <a:ext cx="3520454" cy="2112272"/>
         </a:xfrm>
         <a:prstGeom prst="rect">
           <a:avLst/>
@@ -1877,7 +1877,7 @@
       </dsp:txBody>
       <dsp:txXfrm>
         <a:off x="1936250" y="2674867"/>
-        <a:ext cx="3520454" cy="2112273"/>
+        <a:ext cx="3520454" cy="2112272"/>
       </dsp:txXfrm>
     </dsp:sp>
     <dsp:sp modelId="{6716D9F6-4AA6-A540-8569-2BA0DEE70F42}">
@@ -1888,7 +1888,7 @@
       <dsp:spPr>
         <a:xfrm>
           <a:off x="5808750" y="2674867"/>
-          <a:ext cx="3520454" cy="2112273"/>
+          <a:ext cx="3520454" cy="2112272"/>
         </a:xfrm>
         <a:prstGeom prst="rect">
           <a:avLst/>
@@ -1961,7 +1961,7 @@
       </dsp:txBody>
       <dsp:txXfrm>
         <a:off x="5808750" y="2674867"/>
-        <a:ext cx="3520454" cy="2112273"/>
+        <a:ext cx="3520454" cy="2112272"/>
       </dsp:txXfrm>
     </dsp:sp>
   </dsp:spTree>
@@ -12156,17 +12156,17 @@
           </a:ln>
           <a:extLst>
             <a:ext uri="{FAA26D3D-D897-4be2-8F04-BA451C77F1D7}">
-              <ma14:placeholderFlag xmlns="" xmlns:ma14="http://schemas.microsoft.com/office/mac/drawingml/2011/main" val="1"/>
+              <ma14:placeholderFlag xmlns:ma14="http://schemas.microsoft.com/office/mac/drawingml/2011/main" xmlns="" val="1"/>
             </a:ext>
             <a:ext uri="{909E8E84-426E-40dd-AFC4-6F175D3DCCD1}">
-              <a14:hiddenFill xmlns="" xmlns:a14="http://schemas.microsoft.com/office/drawing/2010/main">
+              <a14:hiddenFill xmlns:a14="http://schemas.microsoft.com/office/drawing/2010/main" xmlns="">
                 <a:solidFill>
                   <a:srgbClr val="FFFFFF"/>
                 </a:solidFill>
               </a14:hiddenFill>
             </a:ext>
             <a:ext uri="{91240B29-F687-4f45-9708-019B960494DF}">
-              <a14:hiddenLine xmlns="" xmlns:a14="http://schemas.microsoft.com/office/drawing/2010/main" w="9525">
+              <a14:hiddenLine xmlns:a14="http://schemas.microsoft.com/office/drawing/2010/main" xmlns="" w="9525">
                 <a:solidFill>
                   <a:srgbClr val="000000"/>
                 </a:solidFill>
@@ -12217,17 +12217,17 @@
           </a:ln>
           <a:extLst>
             <a:ext uri="{FAA26D3D-D897-4be2-8F04-BA451C77F1D7}">
-              <ma14:placeholderFlag xmlns="" xmlns:ma14="http://schemas.microsoft.com/office/mac/drawingml/2011/main" val="1"/>
+              <ma14:placeholderFlag xmlns:ma14="http://schemas.microsoft.com/office/mac/drawingml/2011/main" xmlns="" val="1"/>
             </a:ext>
             <a:ext uri="{909E8E84-426E-40dd-AFC4-6F175D3DCCD1}">
-              <a14:hiddenFill xmlns="" xmlns:a14="http://schemas.microsoft.com/office/drawing/2010/main">
+              <a14:hiddenFill xmlns:a14="http://schemas.microsoft.com/office/drawing/2010/main" xmlns="">
                 <a:solidFill>
                   <a:srgbClr val="FFFFFF"/>
                 </a:solidFill>
               </a14:hiddenFill>
             </a:ext>
             <a:ext uri="{91240B29-F687-4f45-9708-019B960494DF}">
-              <a14:hiddenLine xmlns="" xmlns:a14="http://schemas.microsoft.com/office/drawing/2010/main" w="9525">
+              <a14:hiddenLine xmlns:a14="http://schemas.microsoft.com/office/drawing/2010/main" xmlns="" w="9525">
                 <a:solidFill>
                   <a:srgbClr val="000000"/>
                 </a:solidFill>
@@ -13264,7 +13264,7 @@
           <a:p>
             <a:r>
               <a:rPr lang="en-US" sz="9600" dirty="0"/>
-              <a:t>All stereotypes are based on some data</a:t>
+              <a:t>Most stereotypes are based on some data</a:t>
             </a:r>
             <a:endParaRPr lang="en-US" sz="28700" dirty="0"/>
           </a:p>
@@ -13854,7 +13854,7 @@
           <a:p>
             <a:r>
               <a:rPr lang="en-US" dirty="0"/>
-              <a:t>Monday: Update 7 (on Canvas): ML Results Over Time</a:t>
+              <a:t>Monday: Update 7 (on Canvas): ML Results Over Time and Model Selection</a:t>
             </a:r>
           </a:p>
           <a:p>

--- a/Lectures/17b-EthicsOverview.pptx
+++ b/Lectures/17b-EthicsOverview.pptx
@@ -266,7 +266,7 @@
       <p15:sldGuideLst xmlns:p15="http://schemas.microsoft.com/office/powerpoint/2012/main"/>
     </p:ext>
     <p:ext uri="http://customooxmlschemas.google.com/">
-      <go:slidesCustomData xmlns:go="http://customooxmlschemas.google.com/" xmlns:p15="http://schemas.microsoft.com/office/powerpoint/2012/main" xmlns:p14="http://schemas.microsoft.com/office/powerpoint/2010/main" xmlns:com="http://schemas.openxmlformats.org/drawingml/2006/compatibility" xmlns:pvml="urn:schemas-microsoft-com:office:powerpoint" xmlns:v="urn:schemas-microsoft-com:vml" xmlns:o="urn:schemas-microsoft-com:office:office" xmlns:dgm="http://schemas.openxmlformats.org/drawingml/2006/diagram" xmlns:c="http://schemas.openxmlformats.org/drawingml/2006/chart" xmlns:mv="urn:schemas-microsoft-com:mac:vml" xmlns:mc="http://schemas.openxmlformats.org/markup-compatibility/2006" xmlns="" r:id="rId65" roundtripDataSignature="AMtx7miaBNfqHTds3AtKFboosNv4pOAy4g=="/>
+      <go:slidesCustomData xmlns="" xmlns:mc="http://schemas.openxmlformats.org/markup-compatibility/2006" xmlns:mv="urn:schemas-microsoft-com:mac:vml" xmlns:c="http://schemas.openxmlformats.org/drawingml/2006/chart" xmlns:dgm="http://schemas.openxmlformats.org/drawingml/2006/diagram" xmlns:o="urn:schemas-microsoft-com:office:office" xmlns:v="urn:schemas-microsoft-com:vml" xmlns:pvml="urn:schemas-microsoft-com:office:powerpoint" xmlns:com="http://schemas.openxmlformats.org/drawingml/2006/compatibility" xmlns:p14="http://schemas.microsoft.com/office/powerpoint/2010/main" xmlns:p15="http://schemas.microsoft.com/office/powerpoint/2012/main" xmlns:go="http://customooxmlschemas.google.com/" r:id="rId65" roundtripDataSignature="AMtx7miaBNfqHTds3AtKFboosNv4pOAy4g=="/>
     </p:ext>
   </p:extLst>
 </p:presentation>
@@ -12156,17 +12156,17 @@
           </a:ln>
           <a:extLst>
             <a:ext uri="{FAA26D3D-D897-4be2-8F04-BA451C77F1D7}">
-              <ma14:placeholderFlag xmlns:ma14="http://schemas.microsoft.com/office/mac/drawingml/2011/main" xmlns="" val="1"/>
+              <ma14:placeholderFlag xmlns="" xmlns:ma14="http://schemas.microsoft.com/office/mac/drawingml/2011/main" val="1"/>
             </a:ext>
             <a:ext uri="{909E8E84-426E-40dd-AFC4-6F175D3DCCD1}">
-              <a14:hiddenFill xmlns:a14="http://schemas.microsoft.com/office/drawing/2010/main" xmlns="">
+              <a14:hiddenFill xmlns="" xmlns:a14="http://schemas.microsoft.com/office/drawing/2010/main">
                 <a:solidFill>
                   <a:srgbClr val="FFFFFF"/>
                 </a:solidFill>
               </a14:hiddenFill>
             </a:ext>
             <a:ext uri="{91240B29-F687-4f45-9708-019B960494DF}">
-              <a14:hiddenLine xmlns:a14="http://schemas.microsoft.com/office/drawing/2010/main" xmlns="" w="9525">
+              <a14:hiddenLine xmlns="" xmlns:a14="http://schemas.microsoft.com/office/drawing/2010/main" w="9525">
                 <a:solidFill>
                   <a:srgbClr val="000000"/>
                 </a:solidFill>
@@ -12217,17 +12217,17 @@
           </a:ln>
           <a:extLst>
             <a:ext uri="{FAA26D3D-D897-4be2-8F04-BA451C77F1D7}">
-              <ma14:placeholderFlag xmlns:ma14="http://schemas.microsoft.com/office/mac/drawingml/2011/main" xmlns="" val="1"/>
+              <ma14:placeholderFlag xmlns="" xmlns:ma14="http://schemas.microsoft.com/office/mac/drawingml/2011/main" val="1"/>
             </a:ext>
             <a:ext uri="{909E8E84-426E-40dd-AFC4-6F175D3DCCD1}">
-              <a14:hiddenFill xmlns:a14="http://schemas.microsoft.com/office/drawing/2010/main" xmlns="">
+              <a14:hiddenFill xmlns="" xmlns:a14="http://schemas.microsoft.com/office/drawing/2010/main">
                 <a:solidFill>
                   <a:srgbClr val="FFFFFF"/>
                 </a:solidFill>
               </a14:hiddenFill>
             </a:ext>
             <a:ext uri="{91240B29-F687-4f45-9708-019B960494DF}">
-              <a14:hiddenLine xmlns:a14="http://schemas.microsoft.com/office/drawing/2010/main" xmlns="" w="9525">
+              <a14:hiddenLine xmlns="" xmlns:a14="http://schemas.microsoft.com/office/drawing/2010/main" w="9525">
                 <a:solidFill>
                   <a:srgbClr val="000000"/>
                 </a:solidFill>
@@ -12968,7 +12968,23 @@
                 <a:cs typeface="Arial"/>
                 <a:sym typeface="Arial"/>
               </a:rPr>
-              <a:t>Ethics, Bias, and Fairness Part I: </a:t>
+              <a:t>Ethics</a:t>
+            </a:r>
+            <a:r>
+              <a:rPr lang="en-US" sz="4400" dirty="0"/>
+              <a:t> </a:t>
+            </a:r>
+            <a:r>
+              <a:rPr lang="en-US" sz="4400" b="0" i="0" u="none" strike="noStrike" cap="none" dirty="0">
+                <a:solidFill>
+                  <a:srgbClr val="000000"/>
+                </a:solidFill>
+                <a:latin typeface="Arial"/>
+                <a:ea typeface="Arial"/>
+                <a:cs typeface="Arial"/>
+                <a:sym typeface="Arial"/>
+              </a:rPr>
+              <a:t>Part I</a:t>
             </a:r>
             <a:endParaRPr sz="4400" b="0" i="0" u="none" strike="noStrike" cap="none" dirty="0">
               <a:solidFill>
@@ -13000,7 +13016,7 @@
             </a:pPr>
             <a:r>
               <a:rPr lang="en-US" sz="4400" dirty="0"/>
-              <a:t>Overview, Frameworks, and Issues</a:t>
+              <a:t>Overview and Issues</a:t>
             </a:r>
             <a:r>
               <a:rPr lang="en-US" sz="4400" b="0" i="0" u="none" strike="noStrike" cap="none" dirty="0">
@@ -13097,7 +13113,7 @@
               <a:buNone/>
             </a:pPr>
             <a:r>
-              <a:rPr lang="en-US" sz="2800" b="0" i="0" u="none" strike="noStrike" cap="none">
+              <a:rPr lang="en-US" sz="2800" b="0" i="0" u="none" strike="noStrike" cap="none" dirty="0">
                 <a:solidFill>
                   <a:srgbClr val="595959"/>
                 </a:solidFill>
@@ -13106,9 +13122,9 @@
                 <a:cs typeface="Arial"/>
                 <a:sym typeface="Arial"/>
               </a:rPr>
-              <a:t>Rayid Ghani and Kit Rodolfa</a:t>
+              <a:t>Rayid Ghani</a:t>
             </a:r>
-            <a:endParaRPr sz="2800" b="0" i="0" u="none" strike="noStrike" cap="none">
+            <a:endParaRPr sz="2800" b="0" i="0" u="none" strike="noStrike" cap="none" dirty="0">
               <a:solidFill>
                 <a:srgbClr val="595959"/>
               </a:solidFill>
@@ -14458,7 +14474,7 @@
           <a:p>
             <a:r>
               <a:rPr lang="en-US" sz="6600" dirty="0"/>
-              <a:t>Policy impact can only happen through government</a:t>
+              <a:t>Policy implementation can mostly happen through government</a:t>
             </a:r>
           </a:p>
         </p:txBody>
